--- a/table_s_2_6.pptx
+++ b/table_s_2_6.pptx
@@ -2,12 +2,12 @@
 <file path=ppt/presentation.xml><?xml version="1.0" encoding="utf-8"?>
 <p:presentation xmlns:a="http://schemas.openxmlformats.org/drawingml/2006/main" xmlns:r="http://schemas.openxmlformats.org/officeDocument/2006/relationships" xmlns:p="http://schemas.openxmlformats.org/presentationml/2006/main" saveSubsetFonts="1">
   <p:sldMasterIdLst>
-    <p:sldMasterId id="2147483684" r:id="rId1"/>
+    <p:sldMasterId id="2147483720" r:id="rId1"/>
   </p:sldMasterIdLst>
   <p:sldIdLst>
     <p:sldId id="256" r:id="rId2"/>
   </p:sldIdLst>
-  <p:sldSz cx="6858000" cy="1371600"/>
+  <p:sldSz cx="5943600" cy="914400"/>
   <p:notesSz cx="6858000" cy="9144000"/>
   <p:defaultTextStyle>
     <a:defPPr>
@@ -141,15 +141,15 @@
         </p:nvSpPr>
         <p:spPr>
           <a:xfrm>
-            <a:off x="857250" y="224473"/>
-            <a:ext cx="5143500" cy="477520"/>
+            <a:off x="742950" y="149648"/>
+            <a:ext cx="4457700" cy="318347"/>
           </a:xfrm>
         </p:spPr>
         <p:txBody>
           <a:bodyPr anchor="b"/>
           <a:lstStyle>
             <a:lvl1pPr algn="ctr">
-              <a:defRPr sz="1200"/>
+              <a:defRPr sz="800"/>
             </a:lvl1pPr>
           </a:lstStyle>
           <a:p>
@@ -173,8 +173,8 @@
         </p:nvSpPr>
         <p:spPr>
           <a:xfrm>
-            <a:off x="857250" y="720408"/>
-            <a:ext cx="5143500" cy="331152"/>
+            <a:off x="742950" y="480272"/>
+            <a:ext cx="4457700" cy="220768"/>
           </a:xfrm>
         </p:spPr>
         <p:txBody>
@@ -182,39 +182,39 @@
           <a:lstStyle>
             <a:lvl1pPr marL="0" indent="0" algn="ctr">
               <a:buNone/>
-              <a:defRPr sz="480"/>
+              <a:defRPr sz="320"/>
             </a:lvl1pPr>
-            <a:lvl2pPr marL="91440" indent="0" algn="ctr">
-              <a:buNone/>
-              <a:defRPr sz="400"/>
+            <a:lvl2pPr marL="60945" indent="0" algn="ctr">
+              <a:buNone/>
+              <a:defRPr sz="267"/>
             </a:lvl2pPr>
-            <a:lvl3pPr marL="182880" indent="0" algn="ctr">
-              <a:buNone/>
-              <a:defRPr sz="360"/>
+            <a:lvl3pPr marL="121890" indent="0" algn="ctr">
+              <a:buNone/>
+              <a:defRPr sz="240"/>
             </a:lvl3pPr>
-            <a:lvl4pPr marL="274320" indent="0" algn="ctr">
-              <a:buNone/>
-              <a:defRPr sz="320"/>
+            <a:lvl4pPr marL="182834" indent="0" algn="ctr">
+              <a:buNone/>
+              <a:defRPr sz="213"/>
             </a:lvl4pPr>
-            <a:lvl5pPr marL="365760" indent="0" algn="ctr">
-              <a:buNone/>
-              <a:defRPr sz="320"/>
+            <a:lvl5pPr marL="243779" indent="0" algn="ctr">
+              <a:buNone/>
+              <a:defRPr sz="213"/>
             </a:lvl5pPr>
-            <a:lvl6pPr marL="457200" indent="0" algn="ctr">
-              <a:buNone/>
-              <a:defRPr sz="320"/>
+            <a:lvl6pPr marL="304724" indent="0" algn="ctr">
+              <a:buNone/>
+              <a:defRPr sz="213"/>
             </a:lvl6pPr>
-            <a:lvl7pPr marL="548640" indent="0" algn="ctr">
-              <a:buNone/>
-              <a:defRPr sz="320"/>
+            <a:lvl7pPr marL="365669" indent="0" algn="ctr">
+              <a:buNone/>
+              <a:defRPr sz="213"/>
             </a:lvl7pPr>
-            <a:lvl8pPr marL="640080" indent="0" algn="ctr">
-              <a:buNone/>
-              <a:defRPr sz="320"/>
+            <a:lvl8pPr marL="426613" indent="0" algn="ctr">
+              <a:buNone/>
+              <a:defRPr sz="213"/>
             </a:lvl8pPr>
-            <a:lvl9pPr marL="731520" indent="0" algn="ctr">
-              <a:buNone/>
-              <a:defRPr sz="320"/>
+            <a:lvl9pPr marL="487558" indent="0" algn="ctr">
+              <a:buNone/>
+              <a:defRPr sz="213"/>
             </a:lvl9pPr>
           </a:lstStyle>
           <a:p>
@@ -243,7 +243,7 @@
           <a:p>
             <a:fld id="{9E99647D-1C99-4C31-AAA6-6EEC540FEA86}" type="datetimeFigureOut">
               <a:rPr lang="en-US" smtClean="0"/>
-              <a:t>5/15/2023</a:t>
+              <a:t>5/16/2023</a:t>
             </a:fld>
             <a:endParaRPr lang="en-US"/>
           </a:p>
@@ -294,7 +294,7 @@
     </p:spTree>
     <p:extLst>
       <p:ext uri="{BB962C8B-B14F-4D97-AF65-F5344CB8AC3E}">
-        <p14:creationId xmlns:p14="http://schemas.microsoft.com/office/powerpoint/2010/main" val="1793493958"/>
+        <p14:creationId xmlns:p14="http://schemas.microsoft.com/office/powerpoint/2010/main" val="4177880499"/>
       </p:ext>
     </p:extLst>
   </p:cSld>
@@ -413,7 +413,7 @@
           <a:p>
             <a:fld id="{9E99647D-1C99-4C31-AAA6-6EEC540FEA86}" type="datetimeFigureOut">
               <a:rPr lang="en-US" smtClean="0"/>
-              <a:t>5/15/2023</a:t>
+              <a:t>5/16/2023</a:t>
             </a:fld>
             <a:endParaRPr lang="en-US"/>
           </a:p>
@@ -464,7 +464,7 @@
     </p:spTree>
     <p:extLst>
       <p:ext uri="{BB962C8B-B14F-4D97-AF65-F5344CB8AC3E}">
-        <p14:creationId xmlns:p14="http://schemas.microsoft.com/office/powerpoint/2010/main" val="145427634"/>
+        <p14:creationId xmlns:p14="http://schemas.microsoft.com/office/powerpoint/2010/main" val="610220756"/>
       </p:ext>
     </p:extLst>
   </p:cSld>
@@ -503,8 +503,8 @@
         </p:nvSpPr>
         <p:spPr>
           <a:xfrm>
-            <a:off x="4907756" y="73025"/>
-            <a:ext cx="1478756" cy="1162368"/>
+            <a:off x="4253389" y="48683"/>
+            <a:ext cx="1281589" cy="774912"/>
           </a:xfrm>
         </p:spPr>
         <p:txBody>
@@ -531,8 +531,8 @@
         </p:nvSpPr>
         <p:spPr>
           <a:xfrm>
-            <a:off x="471487" y="73025"/>
-            <a:ext cx="4350544" cy="1162368"/>
+            <a:off x="408623" y="48683"/>
+            <a:ext cx="3770471" cy="774912"/>
           </a:xfrm>
         </p:spPr>
         <p:txBody>
@@ -593,7 +593,7 @@
           <a:p>
             <a:fld id="{9E99647D-1C99-4C31-AAA6-6EEC540FEA86}" type="datetimeFigureOut">
               <a:rPr lang="en-US" smtClean="0"/>
-              <a:t>5/15/2023</a:t>
+              <a:t>5/16/2023</a:t>
             </a:fld>
             <a:endParaRPr lang="en-US"/>
           </a:p>
@@ -644,7 +644,7 @@
     </p:spTree>
     <p:extLst>
       <p:ext uri="{BB962C8B-B14F-4D97-AF65-F5344CB8AC3E}">
-        <p14:creationId xmlns:p14="http://schemas.microsoft.com/office/powerpoint/2010/main" val="7771453"/>
+        <p14:creationId xmlns:p14="http://schemas.microsoft.com/office/powerpoint/2010/main" val="4147704980"/>
       </p:ext>
     </p:extLst>
   </p:cSld>
@@ -763,7 +763,7 @@
           <a:p>
             <a:fld id="{9E99647D-1C99-4C31-AAA6-6EEC540FEA86}" type="datetimeFigureOut">
               <a:rPr lang="en-US" smtClean="0"/>
-              <a:t>5/15/2023</a:t>
+              <a:t>5/16/2023</a:t>
             </a:fld>
             <a:endParaRPr lang="en-US"/>
           </a:p>
@@ -814,7 +814,7 @@
     </p:spTree>
     <p:extLst>
       <p:ext uri="{BB962C8B-B14F-4D97-AF65-F5344CB8AC3E}">
-        <p14:creationId xmlns:p14="http://schemas.microsoft.com/office/powerpoint/2010/main" val="4131438129"/>
+        <p14:creationId xmlns:p14="http://schemas.microsoft.com/office/powerpoint/2010/main" val="1551809617"/>
       </p:ext>
     </p:extLst>
   </p:cSld>
@@ -853,15 +853,15 @@
         </p:nvSpPr>
         <p:spPr>
           <a:xfrm>
-            <a:off x="467916" y="341948"/>
-            <a:ext cx="5915025" cy="570547"/>
+            <a:off x="405527" y="227965"/>
+            <a:ext cx="5126355" cy="380365"/>
           </a:xfrm>
         </p:spPr>
         <p:txBody>
           <a:bodyPr anchor="b"/>
           <a:lstStyle>
             <a:lvl1pPr>
-              <a:defRPr sz="1200"/>
+              <a:defRPr sz="800"/>
             </a:lvl1pPr>
           </a:lstStyle>
           <a:p>
@@ -885,8 +885,8 @@
         </p:nvSpPr>
         <p:spPr>
           <a:xfrm>
-            <a:off x="467916" y="917893"/>
-            <a:ext cx="5915025" cy="300037"/>
+            <a:off x="405527" y="611928"/>
+            <a:ext cx="5126355" cy="200025"/>
           </a:xfrm>
         </p:spPr>
         <p:txBody>
@@ -894,7 +894,7 @@
           <a:lstStyle>
             <a:lvl1pPr marL="0" indent="0">
               <a:buNone/>
-              <a:defRPr sz="480">
+              <a:defRPr sz="320">
                 <a:solidFill>
                   <a:schemeClr val="tx1">
                     <a:tint val="75000"/>
@@ -902,9 +902,9 @@
                 </a:solidFill>
               </a:defRPr>
             </a:lvl1pPr>
-            <a:lvl2pPr marL="91440" indent="0">
-              <a:buNone/>
-              <a:defRPr sz="400">
+            <a:lvl2pPr marL="60945" indent="0">
+              <a:buNone/>
+              <a:defRPr sz="267">
                 <a:solidFill>
                   <a:schemeClr val="tx1">
                     <a:tint val="75000"/>
@@ -912,9 +912,9 @@
                 </a:solidFill>
               </a:defRPr>
             </a:lvl2pPr>
-            <a:lvl3pPr marL="182880" indent="0">
-              <a:buNone/>
-              <a:defRPr sz="360">
+            <a:lvl3pPr marL="121890" indent="0">
+              <a:buNone/>
+              <a:defRPr sz="240">
                 <a:solidFill>
                   <a:schemeClr val="tx1">
                     <a:tint val="75000"/>
@@ -922,9 +922,9 @@
                 </a:solidFill>
               </a:defRPr>
             </a:lvl3pPr>
-            <a:lvl4pPr marL="274320" indent="0">
-              <a:buNone/>
-              <a:defRPr sz="320">
+            <a:lvl4pPr marL="182834" indent="0">
+              <a:buNone/>
+              <a:defRPr sz="213">
                 <a:solidFill>
                   <a:schemeClr val="tx1">
                     <a:tint val="75000"/>
@@ -932,9 +932,9 @@
                 </a:solidFill>
               </a:defRPr>
             </a:lvl4pPr>
-            <a:lvl5pPr marL="365760" indent="0">
-              <a:buNone/>
-              <a:defRPr sz="320">
+            <a:lvl5pPr marL="243779" indent="0">
+              <a:buNone/>
+              <a:defRPr sz="213">
                 <a:solidFill>
                   <a:schemeClr val="tx1">
                     <a:tint val="75000"/>
@@ -942,9 +942,9 @@
                 </a:solidFill>
               </a:defRPr>
             </a:lvl5pPr>
-            <a:lvl6pPr marL="457200" indent="0">
-              <a:buNone/>
-              <a:defRPr sz="320">
+            <a:lvl6pPr marL="304724" indent="0">
+              <a:buNone/>
+              <a:defRPr sz="213">
                 <a:solidFill>
                   <a:schemeClr val="tx1">
                     <a:tint val="75000"/>
@@ -952,9 +952,9 @@
                 </a:solidFill>
               </a:defRPr>
             </a:lvl6pPr>
-            <a:lvl7pPr marL="548640" indent="0">
-              <a:buNone/>
-              <a:defRPr sz="320">
+            <a:lvl7pPr marL="365669" indent="0">
+              <a:buNone/>
+              <a:defRPr sz="213">
                 <a:solidFill>
                   <a:schemeClr val="tx1">
                     <a:tint val="75000"/>
@@ -962,9 +962,9 @@
                 </a:solidFill>
               </a:defRPr>
             </a:lvl7pPr>
-            <a:lvl8pPr marL="640080" indent="0">
-              <a:buNone/>
-              <a:defRPr sz="320">
+            <a:lvl8pPr marL="426613" indent="0">
+              <a:buNone/>
+              <a:defRPr sz="213">
                 <a:solidFill>
                   <a:schemeClr val="tx1">
                     <a:tint val="75000"/>
@@ -972,9 +972,9 @@
                 </a:solidFill>
               </a:defRPr>
             </a:lvl8pPr>
-            <a:lvl9pPr marL="731520" indent="0">
-              <a:buNone/>
-              <a:defRPr sz="320">
+            <a:lvl9pPr marL="487558" indent="0">
+              <a:buNone/>
+              <a:defRPr sz="213">
                 <a:solidFill>
                   <a:schemeClr val="tx1">
                     <a:tint val="75000"/>
@@ -1009,7 +1009,7 @@
           <a:p>
             <a:fld id="{9E99647D-1C99-4C31-AAA6-6EEC540FEA86}" type="datetimeFigureOut">
               <a:rPr lang="en-US" smtClean="0"/>
-              <a:t>5/15/2023</a:t>
+              <a:t>5/16/2023</a:t>
             </a:fld>
             <a:endParaRPr lang="en-US"/>
           </a:p>
@@ -1060,7 +1060,7 @@
     </p:spTree>
     <p:extLst>
       <p:ext uri="{BB962C8B-B14F-4D97-AF65-F5344CB8AC3E}">
-        <p14:creationId xmlns:p14="http://schemas.microsoft.com/office/powerpoint/2010/main" val="139456346"/>
+        <p14:creationId xmlns:p14="http://schemas.microsoft.com/office/powerpoint/2010/main" val="4157462810"/>
       </p:ext>
     </p:extLst>
   </p:cSld>
@@ -1122,8 +1122,8 @@
         </p:nvSpPr>
         <p:spPr>
           <a:xfrm>
-            <a:off x="471488" y="365125"/>
-            <a:ext cx="2914650" cy="870268"/>
+            <a:off x="408623" y="243417"/>
+            <a:ext cx="2526030" cy="580178"/>
           </a:xfrm>
         </p:spPr>
         <p:txBody>
@@ -1179,8 +1179,8 @@
         </p:nvSpPr>
         <p:spPr>
           <a:xfrm>
-            <a:off x="3471863" y="365125"/>
-            <a:ext cx="2914650" cy="870268"/>
+            <a:off x="3008948" y="243417"/>
+            <a:ext cx="2526030" cy="580178"/>
           </a:xfrm>
         </p:spPr>
         <p:txBody>
@@ -1241,7 +1241,7 @@
           <a:p>
             <a:fld id="{9E99647D-1C99-4C31-AAA6-6EEC540FEA86}" type="datetimeFigureOut">
               <a:rPr lang="en-US" smtClean="0"/>
-              <a:t>5/15/2023</a:t>
+              <a:t>5/16/2023</a:t>
             </a:fld>
             <a:endParaRPr lang="en-US"/>
           </a:p>
@@ -1292,7 +1292,7 @@
     </p:spTree>
     <p:extLst>
       <p:ext uri="{BB962C8B-B14F-4D97-AF65-F5344CB8AC3E}">
-        <p14:creationId xmlns:p14="http://schemas.microsoft.com/office/powerpoint/2010/main" val="4288329815"/>
+        <p14:creationId xmlns:p14="http://schemas.microsoft.com/office/powerpoint/2010/main" val="1311658587"/>
       </p:ext>
     </p:extLst>
   </p:cSld>
@@ -1331,8 +1331,8 @@
         </p:nvSpPr>
         <p:spPr>
           <a:xfrm>
-            <a:off x="472381" y="73025"/>
-            <a:ext cx="5915025" cy="265113"/>
+            <a:off x="409397" y="48683"/>
+            <a:ext cx="5126355" cy="176742"/>
           </a:xfrm>
         </p:spPr>
         <p:txBody>
@@ -1359,8 +1359,8 @@
         </p:nvSpPr>
         <p:spPr>
           <a:xfrm>
-            <a:off x="472381" y="336233"/>
-            <a:ext cx="2901255" cy="164782"/>
+            <a:off x="409397" y="224155"/>
+            <a:ext cx="2514421" cy="109855"/>
           </a:xfrm>
         </p:spPr>
         <p:txBody>
@@ -1368,39 +1368,39 @@
           <a:lstStyle>
             <a:lvl1pPr marL="0" indent="0">
               <a:buNone/>
-              <a:defRPr sz="480" b="1"/>
+              <a:defRPr sz="320" b="1"/>
             </a:lvl1pPr>
-            <a:lvl2pPr marL="91440" indent="0">
-              <a:buNone/>
-              <a:defRPr sz="400" b="1"/>
+            <a:lvl2pPr marL="60945" indent="0">
+              <a:buNone/>
+              <a:defRPr sz="267" b="1"/>
             </a:lvl2pPr>
-            <a:lvl3pPr marL="182880" indent="0">
-              <a:buNone/>
-              <a:defRPr sz="360" b="1"/>
+            <a:lvl3pPr marL="121890" indent="0">
+              <a:buNone/>
+              <a:defRPr sz="240" b="1"/>
             </a:lvl3pPr>
-            <a:lvl4pPr marL="274320" indent="0">
-              <a:buNone/>
-              <a:defRPr sz="320" b="1"/>
+            <a:lvl4pPr marL="182834" indent="0">
+              <a:buNone/>
+              <a:defRPr sz="213" b="1"/>
             </a:lvl4pPr>
-            <a:lvl5pPr marL="365760" indent="0">
-              <a:buNone/>
-              <a:defRPr sz="320" b="1"/>
+            <a:lvl5pPr marL="243779" indent="0">
+              <a:buNone/>
+              <a:defRPr sz="213" b="1"/>
             </a:lvl5pPr>
-            <a:lvl6pPr marL="457200" indent="0">
-              <a:buNone/>
-              <a:defRPr sz="320" b="1"/>
+            <a:lvl6pPr marL="304724" indent="0">
+              <a:buNone/>
+              <a:defRPr sz="213" b="1"/>
             </a:lvl6pPr>
-            <a:lvl7pPr marL="548640" indent="0">
-              <a:buNone/>
-              <a:defRPr sz="320" b="1"/>
+            <a:lvl7pPr marL="365669" indent="0">
+              <a:buNone/>
+              <a:defRPr sz="213" b="1"/>
             </a:lvl7pPr>
-            <a:lvl8pPr marL="640080" indent="0">
-              <a:buNone/>
-              <a:defRPr sz="320" b="1"/>
+            <a:lvl8pPr marL="426613" indent="0">
+              <a:buNone/>
+              <a:defRPr sz="213" b="1"/>
             </a:lvl8pPr>
-            <a:lvl9pPr marL="731520" indent="0">
-              <a:buNone/>
-              <a:defRPr sz="320" b="1"/>
+            <a:lvl9pPr marL="487558" indent="0">
+              <a:buNone/>
+              <a:defRPr sz="213" b="1"/>
             </a:lvl9pPr>
           </a:lstStyle>
           <a:p>
@@ -1424,8 +1424,8 @@
         </p:nvSpPr>
         <p:spPr>
           <a:xfrm>
-            <a:off x="472381" y="501015"/>
-            <a:ext cx="2901255" cy="736918"/>
+            <a:off x="409397" y="334010"/>
+            <a:ext cx="2514421" cy="491278"/>
           </a:xfrm>
         </p:spPr>
         <p:txBody>
@@ -1481,8 +1481,8 @@
         </p:nvSpPr>
         <p:spPr>
           <a:xfrm>
-            <a:off x="3471863" y="336233"/>
-            <a:ext cx="2915543" cy="164782"/>
+            <a:off x="3008948" y="224155"/>
+            <a:ext cx="2526804" cy="109855"/>
           </a:xfrm>
         </p:spPr>
         <p:txBody>
@@ -1490,39 +1490,39 @@
           <a:lstStyle>
             <a:lvl1pPr marL="0" indent="0">
               <a:buNone/>
-              <a:defRPr sz="480" b="1"/>
+              <a:defRPr sz="320" b="1"/>
             </a:lvl1pPr>
-            <a:lvl2pPr marL="91440" indent="0">
-              <a:buNone/>
-              <a:defRPr sz="400" b="1"/>
+            <a:lvl2pPr marL="60945" indent="0">
+              <a:buNone/>
+              <a:defRPr sz="267" b="1"/>
             </a:lvl2pPr>
-            <a:lvl3pPr marL="182880" indent="0">
-              <a:buNone/>
-              <a:defRPr sz="360" b="1"/>
+            <a:lvl3pPr marL="121890" indent="0">
+              <a:buNone/>
+              <a:defRPr sz="240" b="1"/>
             </a:lvl3pPr>
-            <a:lvl4pPr marL="274320" indent="0">
-              <a:buNone/>
-              <a:defRPr sz="320" b="1"/>
+            <a:lvl4pPr marL="182834" indent="0">
+              <a:buNone/>
+              <a:defRPr sz="213" b="1"/>
             </a:lvl4pPr>
-            <a:lvl5pPr marL="365760" indent="0">
-              <a:buNone/>
-              <a:defRPr sz="320" b="1"/>
+            <a:lvl5pPr marL="243779" indent="0">
+              <a:buNone/>
+              <a:defRPr sz="213" b="1"/>
             </a:lvl5pPr>
-            <a:lvl6pPr marL="457200" indent="0">
-              <a:buNone/>
-              <a:defRPr sz="320" b="1"/>
+            <a:lvl6pPr marL="304724" indent="0">
+              <a:buNone/>
+              <a:defRPr sz="213" b="1"/>
             </a:lvl6pPr>
-            <a:lvl7pPr marL="548640" indent="0">
-              <a:buNone/>
-              <a:defRPr sz="320" b="1"/>
+            <a:lvl7pPr marL="365669" indent="0">
+              <a:buNone/>
+              <a:defRPr sz="213" b="1"/>
             </a:lvl7pPr>
-            <a:lvl8pPr marL="640080" indent="0">
-              <a:buNone/>
-              <a:defRPr sz="320" b="1"/>
+            <a:lvl8pPr marL="426613" indent="0">
+              <a:buNone/>
+              <a:defRPr sz="213" b="1"/>
             </a:lvl8pPr>
-            <a:lvl9pPr marL="731520" indent="0">
-              <a:buNone/>
-              <a:defRPr sz="320" b="1"/>
+            <a:lvl9pPr marL="487558" indent="0">
+              <a:buNone/>
+              <a:defRPr sz="213" b="1"/>
             </a:lvl9pPr>
           </a:lstStyle>
           <a:p>
@@ -1546,8 +1546,8 @@
         </p:nvSpPr>
         <p:spPr>
           <a:xfrm>
-            <a:off x="3471863" y="501015"/>
-            <a:ext cx="2915543" cy="736918"/>
+            <a:off x="3008948" y="334010"/>
+            <a:ext cx="2526804" cy="491278"/>
           </a:xfrm>
         </p:spPr>
         <p:txBody>
@@ -1608,7 +1608,7 @@
           <a:p>
             <a:fld id="{9E99647D-1C99-4C31-AAA6-6EEC540FEA86}" type="datetimeFigureOut">
               <a:rPr lang="en-US" smtClean="0"/>
-              <a:t>5/15/2023</a:t>
+              <a:t>5/16/2023</a:t>
             </a:fld>
             <a:endParaRPr lang="en-US"/>
           </a:p>
@@ -1659,7 +1659,7 @@
     </p:spTree>
     <p:extLst>
       <p:ext uri="{BB962C8B-B14F-4D97-AF65-F5344CB8AC3E}">
-        <p14:creationId xmlns:p14="http://schemas.microsoft.com/office/powerpoint/2010/main" val="3417528083"/>
+        <p14:creationId xmlns:p14="http://schemas.microsoft.com/office/powerpoint/2010/main" val="4013805620"/>
       </p:ext>
     </p:extLst>
   </p:cSld>
@@ -1726,7 +1726,7 @@
           <a:p>
             <a:fld id="{9E99647D-1C99-4C31-AAA6-6EEC540FEA86}" type="datetimeFigureOut">
               <a:rPr lang="en-US" smtClean="0"/>
-              <a:t>5/15/2023</a:t>
+              <a:t>5/16/2023</a:t>
             </a:fld>
             <a:endParaRPr lang="en-US"/>
           </a:p>
@@ -1777,7 +1777,7 @@
     </p:spTree>
     <p:extLst>
       <p:ext uri="{BB962C8B-B14F-4D97-AF65-F5344CB8AC3E}">
-        <p14:creationId xmlns:p14="http://schemas.microsoft.com/office/powerpoint/2010/main" val="3035652499"/>
+        <p14:creationId xmlns:p14="http://schemas.microsoft.com/office/powerpoint/2010/main" val="3106199000"/>
       </p:ext>
     </p:extLst>
   </p:cSld>
@@ -1821,7 +1821,7 @@
           <a:p>
             <a:fld id="{9E99647D-1C99-4C31-AAA6-6EEC540FEA86}" type="datetimeFigureOut">
               <a:rPr lang="en-US" smtClean="0"/>
-              <a:t>5/15/2023</a:t>
+              <a:t>5/16/2023</a:t>
             </a:fld>
             <a:endParaRPr lang="en-US"/>
           </a:p>
@@ -1872,7 +1872,7 @@
     </p:spTree>
     <p:extLst>
       <p:ext uri="{BB962C8B-B14F-4D97-AF65-F5344CB8AC3E}">
-        <p14:creationId xmlns:p14="http://schemas.microsoft.com/office/powerpoint/2010/main" val="3472572623"/>
+        <p14:creationId xmlns:p14="http://schemas.microsoft.com/office/powerpoint/2010/main" val="1514149420"/>
       </p:ext>
     </p:extLst>
   </p:cSld>
@@ -1911,15 +1911,15 @@
         </p:nvSpPr>
         <p:spPr>
           <a:xfrm>
-            <a:off x="472381" y="91440"/>
-            <a:ext cx="2211883" cy="320040"/>
+            <a:off x="409397" y="60960"/>
+            <a:ext cx="1916966" cy="213360"/>
           </a:xfrm>
         </p:spPr>
         <p:txBody>
           <a:bodyPr anchor="b"/>
           <a:lstStyle>
             <a:lvl1pPr>
-              <a:defRPr sz="640"/>
+              <a:defRPr sz="427"/>
             </a:lvl1pPr>
           </a:lstStyle>
           <a:p>
@@ -1943,39 +1943,39 @@
         </p:nvSpPr>
         <p:spPr>
           <a:xfrm>
-            <a:off x="2915543" y="197485"/>
-            <a:ext cx="3471863" cy="974725"/>
+            <a:off x="2526804" y="131657"/>
+            <a:ext cx="3008948" cy="649817"/>
           </a:xfrm>
         </p:spPr>
         <p:txBody>
           <a:bodyPr/>
           <a:lstStyle>
             <a:lvl1pPr>
-              <a:defRPr sz="640"/>
+              <a:defRPr sz="427"/>
             </a:lvl1pPr>
             <a:lvl2pPr>
-              <a:defRPr sz="560"/>
+              <a:defRPr sz="373"/>
             </a:lvl2pPr>
             <a:lvl3pPr>
-              <a:defRPr sz="480"/>
+              <a:defRPr sz="320"/>
             </a:lvl3pPr>
             <a:lvl4pPr>
-              <a:defRPr sz="400"/>
+              <a:defRPr sz="267"/>
             </a:lvl4pPr>
             <a:lvl5pPr>
-              <a:defRPr sz="400"/>
+              <a:defRPr sz="267"/>
             </a:lvl5pPr>
             <a:lvl6pPr>
-              <a:defRPr sz="400"/>
+              <a:defRPr sz="267"/>
             </a:lvl6pPr>
             <a:lvl7pPr>
-              <a:defRPr sz="400"/>
+              <a:defRPr sz="267"/>
             </a:lvl7pPr>
             <a:lvl8pPr>
-              <a:defRPr sz="400"/>
+              <a:defRPr sz="267"/>
             </a:lvl8pPr>
             <a:lvl9pPr>
-              <a:defRPr sz="400"/>
+              <a:defRPr sz="267"/>
             </a:lvl9pPr>
           </a:lstStyle>
           <a:p>
@@ -2028,8 +2028,8 @@
         </p:nvSpPr>
         <p:spPr>
           <a:xfrm>
-            <a:off x="472381" y="411480"/>
-            <a:ext cx="2211883" cy="762318"/>
+            <a:off x="409397" y="274320"/>
+            <a:ext cx="1916966" cy="508212"/>
           </a:xfrm>
         </p:spPr>
         <p:txBody>
@@ -2037,39 +2037,39 @@
           <a:lstStyle>
             <a:lvl1pPr marL="0" indent="0">
               <a:buNone/>
-              <a:defRPr sz="320"/>
+              <a:defRPr sz="213"/>
             </a:lvl1pPr>
-            <a:lvl2pPr marL="91440" indent="0">
-              <a:buNone/>
-              <a:defRPr sz="280"/>
+            <a:lvl2pPr marL="60945" indent="0">
+              <a:buNone/>
+              <a:defRPr sz="187"/>
             </a:lvl2pPr>
-            <a:lvl3pPr marL="182880" indent="0">
-              <a:buNone/>
-              <a:defRPr sz="240"/>
+            <a:lvl3pPr marL="121890" indent="0">
+              <a:buNone/>
+              <a:defRPr sz="160"/>
             </a:lvl3pPr>
-            <a:lvl4pPr marL="274320" indent="0">
-              <a:buNone/>
-              <a:defRPr sz="200"/>
+            <a:lvl4pPr marL="182834" indent="0">
+              <a:buNone/>
+              <a:defRPr sz="133"/>
             </a:lvl4pPr>
-            <a:lvl5pPr marL="365760" indent="0">
-              <a:buNone/>
-              <a:defRPr sz="200"/>
+            <a:lvl5pPr marL="243779" indent="0">
+              <a:buNone/>
+              <a:defRPr sz="133"/>
             </a:lvl5pPr>
-            <a:lvl6pPr marL="457200" indent="0">
-              <a:buNone/>
-              <a:defRPr sz="200"/>
+            <a:lvl6pPr marL="304724" indent="0">
+              <a:buNone/>
+              <a:defRPr sz="133"/>
             </a:lvl6pPr>
-            <a:lvl7pPr marL="548640" indent="0">
-              <a:buNone/>
-              <a:defRPr sz="200"/>
+            <a:lvl7pPr marL="365669" indent="0">
+              <a:buNone/>
+              <a:defRPr sz="133"/>
             </a:lvl7pPr>
-            <a:lvl8pPr marL="640080" indent="0">
-              <a:buNone/>
-              <a:defRPr sz="200"/>
+            <a:lvl8pPr marL="426613" indent="0">
+              <a:buNone/>
+              <a:defRPr sz="133"/>
             </a:lvl8pPr>
-            <a:lvl9pPr marL="731520" indent="0">
-              <a:buNone/>
-              <a:defRPr sz="200"/>
+            <a:lvl9pPr marL="487558" indent="0">
+              <a:buNone/>
+              <a:defRPr sz="133"/>
             </a:lvl9pPr>
           </a:lstStyle>
           <a:p>
@@ -2098,7 +2098,7 @@
           <a:p>
             <a:fld id="{9E99647D-1C99-4C31-AAA6-6EEC540FEA86}" type="datetimeFigureOut">
               <a:rPr lang="en-US" smtClean="0"/>
-              <a:t>5/15/2023</a:t>
+              <a:t>5/16/2023</a:t>
             </a:fld>
             <a:endParaRPr lang="en-US"/>
           </a:p>
@@ -2149,7 +2149,7 @@
     </p:spTree>
     <p:extLst>
       <p:ext uri="{BB962C8B-B14F-4D97-AF65-F5344CB8AC3E}">
-        <p14:creationId xmlns:p14="http://schemas.microsoft.com/office/powerpoint/2010/main" val="897401847"/>
+        <p14:creationId xmlns:p14="http://schemas.microsoft.com/office/powerpoint/2010/main" val="940713647"/>
       </p:ext>
     </p:extLst>
   </p:cSld>
@@ -2188,15 +2188,15 @@
         </p:nvSpPr>
         <p:spPr>
           <a:xfrm>
-            <a:off x="472381" y="91440"/>
-            <a:ext cx="2211883" cy="320040"/>
+            <a:off x="409397" y="60960"/>
+            <a:ext cx="1916966" cy="213360"/>
           </a:xfrm>
         </p:spPr>
         <p:txBody>
           <a:bodyPr anchor="b"/>
           <a:lstStyle>
             <a:lvl1pPr>
-              <a:defRPr sz="640"/>
+              <a:defRPr sz="427"/>
             </a:lvl1pPr>
           </a:lstStyle>
           <a:p>
@@ -2220,8 +2220,8 @@
         </p:nvSpPr>
         <p:spPr>
           <a:xfrm>
-            <a:off x="2915543" y="197485"/>
-            <a:ext cx="3471863" cy="974725"/>
+            <a:off x="2526804" y="131657"/>
+            <a:ext cx="3008948" cy="649817"/>
           </a:xfrm>
         </p:spPr>
         <p:txBody>
@@ -2229,39 +2229,39 @@
           <a:lstStyle>
             <a:lvl1pPr marL="0" indent="0">
               <a:buNone/>
-              <a:defRPr sz="640"/>
+              <a:defRPr sz="427"/>
             </a:lvl1pPr>
-            <a:lvl2pPr marL="91440" indent="0">
-              <a:buNone/>
-              <a:defRPr sz="560"/>
+            <a:lvl2pPr marL="60945" indent="0">
+              <a:buNone/>
+              <a:defRPr sz="373"/>
             </a:lvl2pPr>
-            <a:lvl3pPr marL="182880" indent="0">
-              <a:buNone/>
-              <a:defRPr sz="480"/>
+            <a:lvl3pPr marL="121890" indent="0">
+              <a:buNone/>
+              <a:defRPr sz="320"/>
             </a:lvl3pPr>
-            <a:lvl4pPr marL="274320" indent="0">
-              <a:buNone/>
-              <a:defRPr sz="400"/>
+            <a:lvl4pPr marL="182834" indent="0">
+              <a:buNone/>
+              <a:defRPr sz="267"/>
             </a:lvl4pPr>
-            <a:lvl5pPr marL="365760" indent="0">
-              <a:buNone/>
-              <a:defRPr sz="400"/>
+            <a:lvl5pPr marL="243779" indent="0">
+              <a:buNone/>
+              <a:defRPr sz="267"/>
             </a:lvl5pPr>
-            <a:lvl6pPr marL="457200" indent="0">
-              <a:buNone/>
-              <a:defRPr sz="400"/>
+            <a:lvl6pPr marL="304724" indent="0">
+              <a:buNone/>
+              <a:defRPr sz="267"/>
             </a:lvl6pPr>
-            <a:lvl7pPr marL="548640" indent="0">
-              <a:buNone/>
-              <a:defRPr sz="400"/>
+            <a:lvl7pPr marL="365669" indent="0">
+              <a:buNone/>
+              <a:defRPr sz="267"/>
             </a:lvl7pPr>
-            <a:lvl8pPr marL="640080" indent="0">
-              <a:buNone/>
-              <a:defRPr sz="400"/>
+            <a:lvl8pPr marL="426613" indent="0">
+              <a:buNone/>
+              <a:defRPr sz="267"/>
             </a:lvl8pPr>
-            <a:lvl9pPr marL="731520" indent="0">
-              <a:buNone/>
-              <a:defRPr sz="400"/>
+            <a:lvl9pPr marL="487558" indent="0">
+              <a:buNone/>
+              <a:defRPr sz="267"/>
             </a:lvl9pPr>
           </a:lstStyle>
           <a:p>
@@ -2285,8 +2285,8 @@
         </p:nvSpPr>
         <p:spPr>
           <a:xfrm>
-            <a:off x="472381" y="411480"/>
-            <a:ext cx="2211883" cy="762318"/>
+            <a:off x="409397" y="274320"/>
+            <a:ext cx="1916966" cy="508212"/>
           </a:xfrm>
         </p:spPr>
         <p:txBody>
@@ -2294,39 +2294,39 @@
           <a:lstStyle>
             <a:lvl1pPr marL="0" indent="0">
               <a:buNone/>
-              <a:defRPr sz="320"/>
+              <a:defRPr sz="213"/>
             </a:lvl1pPr>
-            <a:lvl2pPr marL="91440" indent="0">
-              <a:buNone/>
-              <a:defRPr sz="280"/>
+            <a:lvl2pPr marL="60945" indent="0">
+              <a:buNone/>
+              <a:defRPr sz="187"/>
             </a:lvl2pPr>
-            <a:lvl3pPr marL="182880" indent="0">
-              <a:buNone/>
-              <a:defRPr sz="240"/>
+            <a:lvl3pPr marL="121890" indent="0">
+              <a:buNone/>
+              <a:defRPr sz="160"/>
             </a:lvl3pPr>
-            <a:lvl4pPr marL="274320" indent="0">
-              <a:buNone/>
-              <a:defRPr sz="200"/>
+            <a:lvl4pPr marL="182834" indent="0">
+              <a:buNone/>
+              <a:defRPr sz="133"/>
             </a:lvl4pPr>
-            <a:lvl5pPr marL="365760" indent="0">
-              <a:buNone/>
-              <a:defRPr sz="200"/>
+            <a:lvl5pPr marL="243779" indent="0">
+              <a:buNone/>
+              <a:defRPr sz="133"/>
             </a:lvl5pPr>
-            <a:lvl6pPr marL="457200" indent="0">
-              <a:buNone/>
-              <a:defRPr sz="200"/>
+            <a:lvl6pPr marL="304724" indent="0">
+              <a:buNone/>
+              <a:defRPr sz="133"/>
             </a:lvl6pPr>
-            <a:lvl7pPr marL="548640" indent="0">
-              <a:buNone/>
-              <a:defRPr sz="200"/>
+            <a:lvl7pPr marL="365669" indent="0">
+              <a:buNone/>
+              <a:defRPr sz="133"/>
             </a:lvl7pPr>
-            <a:lvl8pPr marL="640080" indent="0">
-              <a:buNone/>
-              <a:defRPr sz="200"/>
+            <a:lvl8pPr marL="426613" indent="0">
+              <a:buNone/>
+              <a:defRPr sz="133"/>
             </a:lvl8pPr>
-            <a:lvl9pPr marL="731520" indent="0">
-              <a:buNone/>
-              <a:defRPr sz="200"/>
+            <a:lvl9pPr marL="487558" indent="0">
+              <a:buNone/>
+              <a:defRPr sz="133"/>
             </a:lvl9pPr>
           </a:lstStyle>
           <a:p>
@@ -2355,7 +2355,7 @@
           <a:p>
             <a:fld id="{9E99647D-1C99-4C31-AAA6-6EEC540FEA86}" type="datetimeFigureOut">
               <a:rPr lang="en-US" smtClean="0"/>
-              <a:t>5/15/2023</a:t>
+              <a:t>5/16/2023</a:t>
             </a:fld>
             <a:endParaRPr lang="en-US"/>
           </a:p>
@@ -2406,7 +2406,7 @@
     </p:spTree>
     <p:extLst>
       <p:ext uri="{BB962C8B-B14F-4D97-AF65-F5344CB8AC3E}">
-        <p14:creationId xmlns:p14="http://schemas.microsoft.com/office/powerpoint/2010/main" val="1831827696"/>
+        <p14:creationId xmlns:p14="http://schemas.microsoft.com/office/powerpoint/2010/main" val="2654014559"/>
       </p:ext>
     </p:extLst>
   </p:cSld>
@@ -2450,8 +2450,8 @@
         </p:nvSpPr>
         <p:spPr>
           <a:xfrm>
-            <a:off x="471488" y="73025"/>
-            <a:ext cx="5915025" cy="265113"/>
+            <a:off x="408623" y="48683"/>
+            <a:ext cx="5126355" cy="176742"/>
           </a:xfrm>
           <a:prstGeom prst="rect">
             <a:avLst/>
@@ -2483,8 +2483,8 @@
         </p:nvSpPr>
         <p:spPr>
           <a:xfrm>
-            <a:off x="471488" y="365125"/>
-            <a:ext cx="5915025" cy="870268"/>
+            <a:off x="408623" y="243417"/>
+            <a:ext cx="5126355" cy="580178"/>
           </a:xfrm>
           <a:prstGeom prst="rect">
             <a:avLst/>
@@ -2545,8 +2545,8 @@
         </p:nvSpPr>
         <p:spPr>
           <a:xfrm>
-            <a:off x="471488" y="1271270"/>
-            <a:ext cx="1543050" cy="73025"/>
+            <a:off x="408623" y="847514"/>
+            <a:ext cx="1337310" cy="48683"/>
           </a:xfrm>
           <a:prstGeom prst="rect">
             <a:avLst/>
@@ -2556,7 +2556,7 @@
           <a:bodyPr vert="horz" lIns="91440" tIns="45720" rIns="91440" bIns="45720" rtlCol="0" anchor="ctr"/>
           <a:lstStyle>
             <a:lvl1pPr algn="l">
-              <a:defRPr sz="240">
+              <a:defRPr sz="160">
                 <a:solidFill>
                   <a:schemeClr val="tx1">
                     <a:tint val="75000"/>
@@ -2568,7 +2568,7 @@
           <a:p>
             <a:fld id="{9E99647D-1C99-4C31-AAA6-6EEC540FEA86}" type="datetimeFigureOut">
               <a:rPr lang="en-US" smtClean="0"/>
-              <a:t>5/15/2023</a:t>
+              <a:t>5/16/2023</a:t>
             </a:fld>
             <a:endParaRPr lang="en-US"/>
           </a:p>
@@ -2586,8 +2586,8 @@
         </p:nvSpPr>
         <p:spPr>
           <a:xfrm>
-            <a:off x="2271713" y="1271270"/>
-            <a:ext cx="2314575" cy="73025"/>
+            <a:off x="1968818" y="847514"/>
+            <a:ext cx="2005965" cy="48683"/>
           </a:xfrm>
           <a:prstGeom prst="rect">
             <a:avLst/>
@@ -2597,7 +2597,7 @@
           <a:bodyPr vert="horz" lIns="91440" tIns="45720" rIns="91440" bIns="45720" rtlCol="0" anchor="ctr"/>
           <a:lstStyle>
             <a:lvl1pPr algn="ctr">
-              <a:defRPr sz="240">
+              <a:defRPr sz="160">
                 <a:solidFill>
                   <a:schemeClr val="tx1">
                     <a:tint val="75000"/>
@@ -2623,8 +2623,8 @@
         </p:nvSpPr>
         <p:spPr>
           <a:xfrm>
-            <a:off x="4843463" y="1271270"/>
-            <a:ext cx="1543050" cy="73025"/>
+            <a:off x="4197668" y="847514"/>
+            <a:ext cx="1337310" cy="48683"/>
           </a:xfrm>
           <a:prstGeom prst="rect">
             <a:avLst/>
@@ -2634,7 +2634,7 @@
           <a:bodyPr vert="horz" lIns="91440" tIns="45720" rIns="91440" bIns="45720" rtlCol="0" anchor="ctr"/>
           <a:lstStyle>
             <a:lvl1pPr algn="r">
-              <a:defRPr sz="240">
+              <a:defRPr sz="160">
                 <a:solidFill>
                   <a:schemeClr val="tx1">
                     <a:tint val="75000"/>
@@ -2655,27 +2655,27 @@
     </p:spTree>
     <p:extLst>
       <p:ext uri="{BB962C8B-B14F-4D97-AF65-F5344CB8AC3E}">
-        <p14:creationId xmlns:p14="http://schemas.microsoft.com/office/powerpoint/2010/main" val="2504458997"/>
+        <p14:creationId xmlns:p14="http://schemas.microsoft.com/office/powerpoint/2010/main" val="2192633751"/>
       </p:ext>
     </p:extLst>
   </p:cSld>
   <p:clrMap bg1="lt1" tx1="dk1" bg2="lt2" tx2="dk2" accent1="accent1" accent2="accent2" accent3="accent3" accent4="accent4" accent5="accent5" accent6="accent6" hlink="hlink" folHlink="folHlink"/>
   <p:sldLayoutIdLst>
-    <p:sldLayoutId id="2147483685" r:id="rId1"/>
-    <p:sldLayoutId id="2147483686" r:id="rId2"/>
-    <p:sldLayoutId id="2147483687" r:id="rId3"/>
-    <p:sldLayoutId id="2147483688" r:id="rId4"/>
-    <p:sldLayoutId id="2147483689" r:id="rId5"/>
-    <p:sldLayoutId id="2147483690" r:id="rId6"/>
-    <p:sldLayoutId id="2147483691" r:id="rId7"/>
-    <p:sldLayoutId id="2147483692" r:id="rId8"/>
-    <p:sldLayoutId id="2147483693" r:id="rId9"/>
-    <p:sldLayoutId id="2147483694" r:id="rId10"/>
-    <p:sldLayoutId id="2147483695" r:id="rId11"/>
+    <p:sldLayoutId id="2147483721" r:id="rId1"/>
+    <p:sldLayoutId id="2147483722" r:id="rId2"/>
+    <p:sldLayoutId id="2147483723" r:id="rId3"/>
+    <p:sldLayoutId id="2147483724" r:id="rId4"/>
+    <p:sldLayoutId id="2147483725" r:id="rId5"/>
+    <p:sldLayoutId id="2147483726" r:id="rId6"/>
+    <p:sldLayoutId id="2147483727" r:id="rId7"/>
+    <p:sldLayoutId id="2147483728" r:id="rId8"/>
+    <p:sldLayoutId id="2147483729" r:id="rId9"/>
+    <p:sldLayoutId id="2147483730" r:id="rId10"/>
+    <p:sldLayoutId id="2147483731" r:id="rId11"/>
   </p:sldLayoutIdLst>
   <p:txStyles>
     <p:titleStyle>
-      <a:lvl1pPr algn="l" defTabSz="182880" rtl="0" eaLnBrk="1" latinLnBrk="0" hangingPunct="1">
+      <a:lvl1pPr algn="l" defTabSz="121890" rtl="0" eaLnBrk="1" latinLnBrk="0" hangingPunct="1">
         <a:lnSpc>
           <a:spcPct val="90000"/>
         </a:lnSpc>
@@ -2683,7 +2683,7 @@
           <a:spcPct val="0"/>
         </a:spcBef>
         <a:buNone/>
-        <a:defRPr sz="880" kern="1200">
+        <a:defRPr sz="587" kern="1200">
           <a:solidFill>
             <a:schemeClr val="tx1"/>
           </a:solidFill>
@@ -2694,16 +2694,16 @@
       </a:lvl1pPr>
     </p:titleStyle>
     <p:bodyStyle>
-      <a:lvl1pPr marL="45720" indent="-45720" algn="l" defTabSz="182880" rtl="0" eaLnBrk="1" latinLnBrk="0" hangingPunct="1">
+      <a:lvl1pPr marL="30472" indent="-30472" algn="l" defTabSz="121890" rtl="0" eaLnBrk="1" latinLnBrk="0" hangingPunct="1">
         <a:lnSpc>
           <a:spcPct val="90000"/>
         </a:lnSpc>
         <a:spcBef>
-          <a:spcPts val="200"/>
+          <a:spcPts val="133"/>
         </a:spcBef>
         <a:buFont typeface="Arial" panose="020B0604020202020204" pitchFamily="34" charset="0"/>
         <a:buChar char="•"/>
-        <a:defRPr sz="560" kern="1200">
+        <a:defRPr sz="373" kern="1200">
           <a:solidFill>
             <a:schemeClr val="tx1"/>
           </a:solidFill>
@@ -2712,16 +2712,16 @@
           <a:cs typeface="+mn-cs"/>
         </a:defRPr>
       </a:lvl1pPr>
-      <a:lvl2pPr marL="137160" indent="-45720" algn="l" defTabSz="182880" rtl="0" eaLnBrk="1" latinLnBrk="0" hangingPunct="1">
+      <a:lvl2pPr marL="91417" indent="-30472" algn="l" defTabSz="121890" rtl="0" eaLnBrk="1" latinLnBrk="0" hangingPunct="1">
         <a:lnSpc>
           <a:spcPct val="90000"/>
         </a:lnSpc>
         <a:spcBef>
-          <a:spcPts val="100"/>
+          <a:spcPts val="67"/>
         </a:spcBef>
         <a:buFont typeface="Arial" panose="020B0604020202020204" pitchFamily="34" charset="0"/>
         <a:buChar char="•"/>
-        <a:defRPr sz="480" kern="1200">
+        <a:defRPr sz="320" kern="1200">
           <a:solidFill>
             <a:schemeClr val="tx1"/>
           </a:solidFill>
@@ -2730,16 +2730,16 @@
           <a:cs typeface="+mn-cs"/>
         </a:defRPr>
       </a:lvl2pPr>
-      <a:lvl3pPr marL="228600" indent="-45720" algn="l" defTabSz="182880" rtl="0" eaLnBrk="1" latinLnBrk="0" hangingPunct="1">
+      <a:lvl3pPr marL="152362" indent="-30472" algn="l" defTabSz="121890" rtl="0" eaLnBrk="1" latinLnBrk="0" hangingPunct="1">
         <a:lnSpc>
           <a:spcPct val="90000"/>
         </a:lnSpc>
         <a:spcBef>
-          <a:spcPts val="100"/>
+          <a:spcPts val="67"/>
         </a:spcBef>
         <a:buFont typeface="Arial" panose="020B0604020202020204" pitchFamily="34" charset="0"/>
         <a:buChar char="•"/>
-        <a:defRPr sz="400" kern="1200">
+        <a:defRPr sz="267" kern="1200">
           <a:solidFill>
             <a:schemeClr val="tx1"/>
           </a:solidFill>
@@ -2748,16 +2748,16 @@
           <a:cs typeface="+mn-cs"/>
         </a:defRPr>
       </a:lvl3pPr>
-      <a:lvl4pPr marL="320040" indent="-45720" algn="l" defTabSz="182880" rtl="0" eaLnBrk="1" latinLnBrk="0" hangingPunct="1">
+      <a:lvl4pPr marL="213307" indent="-30472" algn="l" defTabSz="121890" rtl="0" eaLnBrk="1" latinLnBrk="0" hangingPunct="1">
         <a:lnSpc>
           <a:spcPct val="90000"/>
         </a:lnSpc>
         <a:spcBef>
-          <a:spcPts val="100"/>
+          <a:spcPts val="67"/>
         </a:spcBef>
         <a:buFont typeface="Arial" panose="020B0604020202020204" pitchFamily="34" charset="0"/>
         <a:buChar char="•"/>
-        <a:defRPr sz="360" kern="1200">
+        <a:defRPr sz="240" kern="1200">
           <a:solidFill>
             <a:schemeClr val="tx1"/>
           </a:solidFill>
@@ -2766,16 +2766,16 @@
           <a:cs typeface="+mn-cs"/>
         </a:defRPr>
       </a:lvl4pPr>
-      <a:lvl5pPr marL="411480" indent="-45720" algn="l" defTabSz="182880" rtl="0" eaLnBrk="1" latinLnBrk="0" hangingPunct="1">
+      <a:lvl5pPr marL="274251" indent="-30472" algn="l" defTabSz="121890" rtl="0" eaLnBrk="1" latinLnBrk="0" hangingPunct="1">
         <a:lnSpc>
           <a:spcPct val="90000"/>
         </a:lnSpc>
         <a:spcBef>
-          <a:spcPts val="100"/>
+          <a:spcPts val="67"/>
         </a:spcBef>
         <a:buFont typeface="Arial" panose="020B0604020202020204" pitchFamily="34" charset="0"/>
         <a:buChar char="•"/>
-        <a:defRPr sz="360" kern="1200">
+        <a:defRPr sz="240" kern="1200">
           <a:solidFill>
             <a:schemeClr val="tx1"/>
           </a:solidFill>
@@ -2784,16 +2784,16 @@
           <a:cs typeface="+mn-cs"/>
         </a:defRPr>
       </a:lvl5pPr>
-      <a:lvl6pPr marL="502920" indent="-45720" algn="l" defTabSz="182880" rtl="0" eaLnBrk="1" latinLnBrk="0" hangingPunct="1">
+      <a:lvl6pPr marL="335196" indent="-30472" algn="l" defTabSz="121890" rtl="0" eaLnBrk="1" latinLnBrk="0" hangingPunct="1">
         <a:lnSpc>
           <a:spcPct val="90000"/>
         </a:lnSpc>
         <a:spcBef>
-          <a:spcPts val="100"/>
+          <a:spcPts val="67"/>
         </a:spcBef>
         <a:buFont typeface="Arial" panose="020B0604020202020204" pitchFamily="34" charset="0"/>
         <a:buChar char="•"/>
-        <a:defRPr sz="360" kern="1200">
+        <a:defRPr sz="240" kern="1200">
           <a:solidFill>
             <a:schemeClr val="tx1"/>
           </a:solidFill>
@@ -2802,16 +2802,16 @@
           <a:cs typeface="+mn-cs"/>
         </a:defRPr>
       </a:lvl6pPr>
-      <a:lvl7pPr marL="594360" indent="-45720" algn="l" defTabSz="182880" rtl="0" eaLnBrk="1" latinLnBrk="0" hangingPunct="1">
+      <a:lvl7pPr marL="396141" indent="-30472" algn="l" defTabSz="121890" rtl="0" eaLnBrk="1" latinLnBrk="0" hangingPunct="1">
         <a:lnSpc>
           <a:spcPct val="90000"/>
         </a:lnSpc>
         <a:spcBef>
-          <a:spcPts val="100"/>
+          <a:spcPts val="67"/>
         </a:spcBef>
         <a:buFont typeface="Arial" panose="020B0604020202020204" pitchFamily="34" charset="0"/>
         <a:buChar char="•"/>
-        <a:defRPr sz="360" kern="1200">
+        <a:defRPr sz="240" kern="1200">
           <a:solidFill>
             <a:schemeClr val="tx1"/>
           </a:solidFill>
@@ -2820,16 +2820,16 @@
           <a:cs typeface="+mn-cs"/>
         </a:defRPr>
       </a:lvl7pPr>
-      <a:lvl8pPr marL="685800" indent="-45720" algn="l" defTabSz="182880" rtl="0" eaLnBrk="1" latinLnBrk="0" hangingPunct="1">
+      <a:lvl8pPr marL="457086" indent="-30472" algn="l" defTabSz="121890" rtl="0" eaLnBrk="1" latinLnBrk="0" hangingPunct="1">
         <a:lnSpc>
           <a:spcPct val="90000"/>
         </a:lnSpc>
         <a:spcBef>
-          <a:spcPts val="100"/>
+          <a:spcPts val="67"/>
         </a:spcBef>
         <a:buFont typeface="Arial" panose="020B0604020202020204" pitchFamily="34" charset="0"/>
         <a:buChar char="•"/>
-        <a:defRPr sz="360" kern="1200">
+        <a:defRPr sz="240" kern="1200">
           <a:solidFill>
             <a:schemeClr val="tx1"/>
           </a:solidFill>
@@ -2838,16 +2838,16 @@
           <a:cs typeface="+mn-cs"/>
         </a:defRPr>
       </a:lvl8pPr>
-      <a:lvl9pPr marL="777240" indent="-45720" algn="l" defTabSz="182880" rtl="0" eaLnBrk="1" latinLnBrk="0" hangingPunct="1">
+      <a:lvl9pPr marL="518030" indent="-30472" algn="l" defTabSz="121890" rtl="0" eaLnBrk="1" latinLnBrk="0" hangingPunct="1">
         <a:lnSpc>
           <a:spcPct val="90000"/>
         </a:lnSpc>
         <a:spcBef>
-          <a:spcPts val="100"/>
+          <a:spcPts val="67"/>
         </a:spcBef>
         <a:buFont typeface="Arial" panose="020B0604020202020204" pitchFamily="34" charset="0"/>
         <a:buChar char="•"/>
-        <a:defRPr sz="360" kern="1200">
+        <a:defRPr sz="240" kern="1200">
           <a:solidFill>
             <a:schemeClr val="tx1"/>
           </a:solidFill>
@@ -2861,8 +2861,8 @@
       <a:defPPr>
         <a:defRPr lang="en-US"/>
       </a:defPPr>
-      <a:lvl1pPr marL="0" algn="l" defTabSz="182880" rtl="0" eaLnBrk="1" latinLnBrk="0" hangingPunct="1">
-        <a:defRPr sz="360" kern="1200">
+      <a:lvl1pPr marL="0" algn="l" defTabSz="121890" rtl="0" eaLnBrk="1" latinLnBrk="0" hangingPunct="1">
+        <a:defRPr sz="240" kern="1200">
           <a:solidFill>
             <a:schemeClr val="tx1"/>
           </a:solidFill>
@@ -2871,8 +2871,8 @@
           <a:cs typeface="+mn-cs"/>
         </a:defRPr>
       </a:lvl1pPr>
-      <a:lvl2pPr marL="91440" algn="l" defTabSz="182880" rtl="0" eaLnBrk="1" latinLnBrk="0" hangingPunct="1">
-        <a:defRPr sz="360" kern="1200">
+      <a:lvl2pPr marL="60945" algn="l" defTabSz="121890" rtl="0" eaLnBrk="1" latinLnBrk="0" hangingPunct="1">
+        <a:defRPr sz="240" kern="1200">
           <a:solidFill>
             <a:schemeClr val="tx1"/>
           </a:solidFill>
@@ -2881,8 +2881,8 @@
           <a:cs typeface="+mn-cs"/>
         </a:defRPr>
       </a:lvl2pPr>
-      <a:lvl3pPr marL="182880" algn="l" defTabSz="182880" rtl="0" eaLnBrk="1" latinLnBrk="0" hangingPunct="1">
-        <a:defRPr sz="360" kern="1200">
+      <a:lvl3pPr marL="121890" algn="l" defTabSz="121890" rtl="0" eaLnBrk="1" latinLnBrk="0" hangingPunct="1">
+        <a:defRPr sz="240" kern="1200">
           <a:solidFill>
             <a:schemeClr val="tx1"/>
           </a:solidFill>
@@ -2891,8 +2891,8 @@
           <a:cs typeface="+mn-cs"/>
         </a:defRPr>
       </a:lvl3pPr>
-      <a:lvl4pPr marL="274320" algn="l" defTabSz="182880" rtl="0" eaLnBrk="1" latinLnBrk="0" hangingPunct="1">
-        <a:defRPr sz="360" kern="1200">
+      <a:lvl4pPr marL="182834" algn="l" defTabSz="121890" rtl="0" eaLnBrk="1" latinLnBrk="0" hangingPunct="1">
+        <a:defRPr sz="240" kern="1200">
           <a:solidFill>
             <a:schemeClr val="tx1"/>
           </a:solidFill>
@@ -2901,8 +2901,8 @@
           <a:cs typeface="+mn-cs"/>
         </a:defRPr>
       </a:lvl4pPr>
-      <a:lvl5pPr marL="365760" algn="l" defTabSz="182880" rtl="0" eaLnBrk="1" latinLnBrk="0" hangingPunct="1">
-        <a:defRPr sz="360" kern="1200">
+      <a:lvl5pPr marL="243779" algn="l" defTabSz="121890" rtl="0" eaLnBrk="1" latinLnBrk="0" hangingPunct="1">
+        <a:defRPr sz="240" kern="1200">
           <a:solidFill>
             <a:schemeClr val="tx1"/>
           </a:solidFill>
@@ -2911,8 +2911,8 @@
           <a:cs typeface="+mn-cs"/>
         </a:defRPr>
       </a:lvl5pPr>
-      <a:lvl6pPr marL="457200" algn="l" defTabSz="182880" rtl="0" eaLnBrk="1" latinLnBrk="0" hangingPunct="1">
-        <a:defRPr sz="360" kern="1200">
+      <a:lvl6pPr marL="304724" algn="l" defTabSz="121890" rtl="0" eaLnBrk="1" latinLnBrk="0" hangingPunct="1">
+        <a:defRPr sz="240" kern="1200">
           <a:solidFill>
             <a:schemeClr val="tx1"/>
           </a:solidFill>
@@ -2921,8 +2921,8 @@
           <a:cs typeface="+mn-cs"/>
         </a:defRPr>
       </a:lvl6pPr>
-      <a:lvl7pPr marL="548640" algn="l" defTabSz="182880" rtl="0" eaLnBrk="1" latinLnBrk="0" hangingPunct="1">
-        <a:defRPr sz="360" kern="1200">
+      <a:lvl7pPr marL="365669" algn="l" defTabSz="121890" rtl="0" eaLnBrk="1" latinLnBrk="0" hangingPunct="1">
+        <a:defRPr sz="240" kern="1200">
           <a:solidFill>
             <a:schemeClr val="tx1"/>
           </a:solidFill>
@@ -2931,8 +2931,8 @@
           <a:cs typeface="+mn-cs"/>
         </a:defRPr>
       </a:lvl7pPr>
-      <a:lvl8pPr marL="640080" algn="l" defTabSz="182880" rtl="0" eaLnBrk="1" latinLnBrk="0" hangingPunct="1">
-        <a:defRPr sz="360" kern="1200">
+      <a:lvl8pPr marL="426613" algn="l" defTabSz="121890" rtl="0" eaLnBrk="1" latinLnBrk="0" hangingPunct="1">
+        <a:defRPr sz="240" kern="1200">
           <a:solidFill>
             <a:schemeClr val="tx1"/>
           </a:solidFill>
@@ -2941,8 +2941,8 @@
           <a:cs typeface="+mn-cs"/>
         </a:defRPr>
       </a:lvl8pPr>
-      <a:lvl9pPr marL="731520" algn="l" defTabSz="182880" rtl="0" eaLnBrk="1" latinLnBrk="0" hangingPunct="1">
-        <a:defRPr sz="360" kern="1200">
+      <a:lvl9pPr marL="487558" algn="l" defTabSz="121890" rtl="0" eaLnBrk="1" latinLnBrk="0" hangingPunct="1">
+        <a:defRPr sz="240" kern="1200">
           <a:solidFill>
             <a:schemeClr val="tx1"/>
           </a:solidFill>
@@ -2987,8 +2987,8 @@
         </p:nvSpPr>
         <p:spPr>
           <a:xfrm>
-            <a:off x="-2" y="124301"/>
-            <a:ext cx="6858001" cy="318100"/>
+            <a:off x="0" y="103424"/>
+            <a:ext cx="5943600" cy="253916"/>
           </a:xfrm>
           <a:prstGeom prst="rect">
             <a:avLst/>
@@ -3003,37 +3003,12 @@
           <a:p>
             <a:pPr algn="ctr"/>
             <a:r>
-              <a:rPr lang="en-US" sz="1467" dirty="0">
+              <a:rPr lang="en-US" sz="1050" dirty="0">
                 <a:latin typeface="Times New Roman" panose="02020603050405020304" pitchFamily="18" charset="0"/>
                 <a:cs typeface="Times New Roman" panose="02020603050405020304" pitchFamily="18" charset="0"/>
               </a:rPr>
-              <a:t>Table </a:t>
-            </a:r>
-            <a:r>
-              <a:rPr lang="en-US" sz="1100" dirty="0">
-                <a:latin typeface="Times New Roman" panose="02020603050405020304" pitchFamily="18" charset="0"/>
-                <a:cs typeface="Times New Roman" panose="02020603050405020304" pitchFamily="18" charset="0"/>
-              </a:rPr>
-              <a:t>S2.6</a:t>
-            </a:r>
-            <a:r>
-              <a:rPr lang="en-US" sz="1467" dirty="0">
-                <a:latin typeface="Times New Roman" panose="02020603050405020304" pitchFamily="18" charset="0"/>
-                <a:cs typeface="Times New Roman" panose="02020603050405020304" pitchFamily="18" charset="0"/>
-              </a:rPr>
-              <a:t>: Standardization of </a:t>
-            </a:r>
-            <a:r>
-              <a:rPr lang="en-US" sz="1467">
-                <a:latin typeface="Times New Roman" panose="02020603050405020304" pitchFamily="18" charset="0"/>
-                <a:cs typeface="Times New Roman" panose="02020603050405020304" pitchFamily="18" charset="0"/>
-              </a:rPr>
-              <a:t>region names.</a:t>
-            </a:r>
-            <a:endParaRPr lang="en-US" sz="1467" dirty="0">
-              <a:latin typeface="Times New Roman" panose="02020603050405020304" pitchFamily="18" charset="0"/>
-              <a:cs typeface="Times New Roman" panose="02020603050405020304" pitchFamily="18" charset="0"/>
-            </a:endParaRPr>
+              <a:t>Table S2.6: Standardization of region names.</a:t>
+            </a:r>
           </a:p>
         </p:txBody>
       </p:sp>
@@ -3052,14 +3027,14 @@
           <p:nvPr>
             <p:extLst>
               <p:ext uri="{D42A27DB-BD31-4B8C-83A1-F6EECF244321}">
-                <p14:modId xmlns:p14="http://schemas.microsoft.com/office/powerpoint/2010/main" val="3296212941"/>
+                <p14:modId xmlns:p14="http://schemas.microsoft.com/office/powerpoint/2010/main" val="2780943609"/>
               </p:ext>
             </p:extLst>
           </p:nvPr>
         </p:nvGraphicFramePr>
         <p:xfrm>
-          <a:off x="-2" y="678180"/>
-          <a:ext cx="6858002" cy="530500"/>
+          <a:off x="0" y="448042"/>
+          <a:ext cx="5943600" cy="441810"/>
         </p:xfrm>
         <a:graphic>
           <a:graphicData uri="http://schemas.openxmlformats.org/drawingml/2006/table">
@@ -3068,14 +3043,14 @@
                 <a:tableStyleId>{5C22544A-7EE6-4342-B048-85BDC9FD1C3A}</a:tableStyleId>
               </a:tblPr>
               <a:tblGrid>
-                <a:gridCol w="3429001">
+                <a:gridCol w="2971800">
                   <a:extLst>
                     <a:ext uri="{9D8B030D-6E8A-4147-A177-3AD203B41FA5}">
                       <a16:colId xmlns:a16="http://schemas.microsoft.com/office/drawing/2014/main" val="884370071"/>
                     </a:ext>
                   </a:extLst>
                 </a:gridCol>
-                <a:gridCol w="3429001">
+                <a:gridCol w="2971800">
                   <a:extLst>
                     <a:ext uri="{9D8B030D-6E8A-4147-A177-3AD203B41FA5}">
                       <a16:colId xmlns:a16="http://schemas.microsoft.com/office/drawing/2014/main" val="2689372566"/>
@@ -3083,7 +3058,7 @@
                   </a:extLst>
                 </a:gridCol>
               </a:tblGrid>
-              <a:tr h="265250">
+              <a:tr h="220905">
                 <a:tc>
                   <a:txBody>
                     <a:bodyPr/>
@@ -3098,7 +3073,7 @@
                         </a:spcAft>
                       </a:pPr>
                       <a:r>
-                        <a:rPr lang="en-US" sz="1100" b="1" strike="noStrike" dirty="0">
+                        <a:rPr lang="en-US" sz="1000" b="1" strike="noStrike" dirty="0">
                           <a:effectLst/>
                           <a:latin typeface="Times New Roman" panose="02020603050405020304" pitchFamily="18" charset="0"/>
                           <a:ea typeface="Tahoma" panose="020B0604030504040204" pitchFamily="34" charset="0"/>
@@ -3108,7 +3083,7 @@
                       </a:r>
                     </a:p>
                   </a:txBody>
-                  <a:tcPr marL="50800" marR="50800" marT="0" marB="0" anchor="ctr">
+                  <a:tcPr marL="22014" marR="22014" marT="0" marB="0" anchor="ctr">
                     <a:lnL w="12700" cmpd="sng">
                       <a:noFill/>
                     </a:lnL>
@@ -3164,7 +3139,7 @@
                         </a:spcAft>
                       </a:pPr>
                       <a:r>
-                        <a:rPr lang="en-US" sz="1100" b="1" strike="noStrike" dirty="0">
+                        <a:rPr lang="en-US" sz="1000" b="1" strike="noStrike" dirty="0">
                           <a:effectLst/>
                           <a:latin typeface="Times New Roman" panose="02020603050405020304" pitchFamily="18" charset="0"/>
                           <a:ea typeface="Tahoma" panose="020B0604030504040204" pitchFamily="34" charset="0"/>
@@ -3174,7 +3149,7 @@
                       </a:r>
                     </a:p>
                   </a:txBody>
-                  <a:tcPr marL="50800" marR="50800" marT="0" marB="0" anchor="ctr">
+                  <a:tcPr marL="22014" marR="22014" marT="0" marB="0" anchor="ctr">
                     <a:lnL w="12700" cap="flat" cmpd="sng" algn="ctr">
                       <a:noFill/>
                       <a:prstDash val="solid"/>
@@ -3222,7 +3197,7 @@
                   </a:ext>
                 </a:extLst>
               </a:tr>
-              <a:tr h="265250">
+              <a:tr h="220905">
                 <a:tc>
                   <a:txBody>
                     <a:bodyPr/>
@@ -3237,7 +3212,7 @@
                         </a:spcAft>
                       </a:pPr>
                       <a:r>
-                        <a:rPr lang="en-US" sz="1100" strike="noStrike" dirty="0" err="1">
+                        <a:rPr lang="en-US" sz="1000" strike="noStrike" dirty="0" err="1">
                           <a:effectLst/>
                           <a:latin typeface="Times New Roman" panose="02020603050405020304" pitchFamily="18" charset="0"/>
                           <a:ea typeface="Tahoma" panose="020B0604030504040204" pitchFamily="34" charset="0"/>
@@ -3246,7 +3221,7 @@
                         <a:t>Amoron'i</a:t>
                       </a:r>
                       <a:r>
-                        <a:rPr lang="en-US" sz="1100" strike="noStrike" dirty="0">
+                        <a:rPr lang="en-US" sz="1000" strike="noStrike" dirty="0">
                           <a:effectLst/>
                           <a:latin typeface="Times New Roman" panose="02020603050405020304" pitchFamily="18" charset="0"/>
                           <a:ea typeface="Tahoma" panose="020B0604030504040204" pitchFamily="34" charset="0"/>
@@ -3256,7 +3231,7 @@
                       </a:r>
                     </a:p>
                   </a:txBody>
-                  <a:tcPr marL="50800" marR="50800" marT="0" marB="0" anchor="ctr">
+                  <a:tcPr marL="22014" marR="22014" marT="0" marB="0" anchor="ctr">
                     <a:lnL w="12700" cmpd="sng">
                       <a:noFill/>
                     </a:lnL>
@@ -3312,7 +3287,7 @@
                         </a:spcAft>
                       </a:pPr>
                       <a:r>
-                        <a:rPr lang="en-US" sz="1100" strike="noStrike" dirty="0" err="1">
+                        <a:rPr lang="en-US" sz="1000" strike="noStrike" dirty="0" err="1">
                           <a:effectLst/>
                           <a:latin typeface="Times New Roman" panose="02020603050405020304" pitchFamily="18" charset="0"/>
                           <a:ea typeface="Tahoma" panose="020B0604030504040204" pitchFamily="34" charset="0"/>
@@ -3321,7 +3296,7 @@
                         <a:t>Amoron</a:t>
                       </a:r>
                       <a:r>
-                        <a:rPr lang="en-US" sz="1100" strike="noStrike" dirty="0">
+                        <a:rPr lang="en-US" sz="1000" strike="noStrike" dirty="0">
                           <a:effectLst/>
                           <a:latin typeface="Times New Roman" panose="02020603050405020304" pitchFamily="18" charset="0"/>
                           <a:ea typeface="Tahoma" panose="020B0604030504040204" pitchFamily="34" charset="0"/>
@@ -3331,7 +3306,7 @@
                       </a:r>
                     </a:p>
                   </a:txBody>
-                  <a:tcPr marL="50800" marR="50800" marT="0" marB="0" anchor="ctr">
+                  <a:tcPr marL="22014" marR="22014" marT="0" marB="0" anchor="ctr">
                     <a:lnL w="12700" cap="flat" cmpd="sng" algn="ctr">
                       <a:noFill/>
                       <a:prstDash val="solid"/>
